--- a/Презентация1.pptx
+++ b/Презентация1.pptx
@@ -238,7 +238,8 @@
           <a:p>
             <a:fld id="{1F298F99-C20F-49AD-A858-A3286561F1CB}" type="datetimeFigureOut">
               <a:rPr lang="ru-RU" smtClean="0"/>
-              <a:t>16.11.2021</a:t>
+              <a:pPr/>
+              <a:t>19.11.2021</a:t>
             </a:fld>
             <a:endParaRPr lang="ru-RU"/>
           </a:p>
@@ -280,6 +281,7 @@
           <a:p>
             <a:fld id="{FD3C2CBD-94CB-45E6-BECD-D7CD118D38CE}" type="slidenum">
               <a:rPr lang="ru-RU" smtClean="0"/>
+              <a:pPr/>
               <a:t>‹#›</a:t>
             </a:fld>
             <a:endParaRPr lang="ru-RU"/>
@@ -289,7 +291,7 @@
     </p:spTree>
     <p:extLst>
       <p:ext uri="{BB962C8B-B14F-4D97-AF65-F5344CB8AC3E}">
-        <p14:creationId xmlns:p14="http://schemas.microsoft.com/office/powerpoint/2010/main" val="589374915"/>
+        <p14:creationId xmlns:p14="http://schemas.microsoft.com/office/powerpoint/2010/main" xmlns="" val="589374915"/>
       </p:ext>
     </p:extLst>
   </p:cSld>
@@ -408,7 +410,8 @@
           <a:p>
             <a:fld id="{1F298F99-C20F-49AD-A858-A3286561F1CB}" type="datetimeFigureOut">
               <a:rPr lang="ru-RU" smtClean="0"/>
-              <a:t>16.11.2021</a:t>
+              <a:pPr/>
+              <a:t>19.11.2021</a:t>
             </a:fld>
             <a:endParaRPr lang="ru-RU"/>
           </a:p>
@@ -450,6 +453,7 @@
           <a:p>
             <a:fld id="{FD3C2CBD-94CB-45E6-BECD-D7CD118D38CE}" type="slidenum">
               <a:rPr lang="ru-RU" smtClean="0"/>
+              <a:pPr/>
               <a:t>‹#›</a:t>
             </a:fld>
             <a:endParaRPr lang="ru-RU"/>
@@ -459,7 +463,7 @@
     </p:spTree>
     <p:extLst>
       <p:ext uri="{BB962C8B-B14F-4D97-AF65-F5344CB8AC3E}">
-        <p14:creationId xmlns:p14="http://schemas.microsoft.com/office/powerpoint/2010/main" val="3288770621"/>
+        <p14:creationId xmlns:p14="http://schemas.microsoft.com/office/powerpoint/2010/main" xmlns="" val="3288770621"/>
       </p:ext>
     </p:extLst>
   </p:cSld>
@@ -588,7 +592,8 @@
           <a:p>
             <a:fld id="{1F298F99-C20F-49AD-A858-A3286561F1CB}" type="datetimeFigureOut">
               <a:rPr lang="ru-RU" smtClean="0"/>
-              <a:t>16.11.2021</a:t>
+              <a:pPr/>
+              <a:t>19.11.2021</a:t>
             </a:fld>
             <a:endParaRPr lang="ru-RU"/>
           </a:p>
@@ -630,6 +635,7 @@
           <a:p>
             <a:fld id="{FD3C2CBD-94CB-45E6-BECD-D7CD118D38CE}" type="slidenum">
               <a:rPr lang="ru-RU" smtClean="0"/>
+              <a:pPr/>
               <a:t>‹#›</a:t>
             </a:fld>
             <a:endParaRPr lang="ru-RU"/>
@@ -639,7 +645,7 @@
     </p:spTree>
     <p:extLst>
       <p:ext uri="{BB962C8B-B14F-4D97-AF65-F5344CB8AC3E}">
-        <p14:creationId xmlns:p14="http://schemas.microsoft.com/office/powerpoint/2010/main" val="4126743367"/>
+        <p14:creationId xmlns:p14="http://schemas.microsoft.com/office/powerpoint/2010/main" xmlns="" val="4126743367"/>
       </p:ext>
     </p:extLst>
   </p:cSld>
@@ -758,7 +764,8 @@
           <a:p>
             <a:fld id="{1F298F99-C20F-49AD-A858-A3286561F1CB}" type="datetimeFigureOut">
               <a:rPr lang="ru-RU" smtClean="0"/>
-              <a:t>16.11.2021</a:t>
+              <a:pPr/>
+              <a:t>19.11.2021</a:t>
             </a:fld>
             <a:endParaRPr lang="ru-RU"/>
           </a:p>
@@ -800,6 +807,7 @@
           <a:p>
             <a:fld id="{FD3C2CBD-94CB-45E6-BECD-D7CD118D38CE}" type="slidenum">
               <a:rPr lang="ru-RU" smtClean="0"/>
+              <a:pPr/>
               <a:t>‹#›</a:t>
             </a:fld>
             <a:endParaRPr lang="ru-RU"/>
@@ -809,7 +817,7 @@
     </p:spTree>
     <p:extLst>
       <p:ext uri="{BB962C8B-B14F-4D97-AF65-F5344CB8AC3E}">
-        <p14:creationId xmlns:p14="http://schemas.microsoft.com/office/powerpoint/2010/main" val="206763498"/>
+        <p14:creationId xmlns:p14="http://schemas.microsoft.com/office/powerpoint/2010/main" xmlns="" val="206763498"/>
       </p:ext>
     </p:extLst>
   </p:cSld>
@@ -1004,7 +1012,8 @@
           <a:p>
             <a:fld id="{1F298F99-C20F-49AD-A858-A3286561F1CB}" type="datetimeFigureOut">
               <a:rPr lang="ru-RU" smtClean="0"/>
-              <a:t>16.11.2021</a:t>
+              <a:pPr/>
+              <a:t>19.11.2021</a:t>
             </a:fld>
             <a:endParaRPr lang="ru-RU"/>
           </a:p>
@@ -1046,6 +1055,7 @@
           <a:p>
             <a:fld id="{FD3C2CBD-94CB-45E6-BECD-D7CD118D38CE}" type="slidenum">
               <a:rPr lang="ru-RU" smtClean="0"/>
+              <a:pPr/>
               <a:t>‹#›</a:t>
             </a:fld>
             <a:endParaRPr lang="ru-RU"/>
@@ -1055,7 +1065,7 @@
     </p:spTree>
     <p:extLst>
       <p:ext uri="{BB962C8B-B14F-4D97-AF65-F5344CB8AC3E}">
-        <p14:creationId xmlns:p14="http://schemas.microsoft.com/office/powerpoint/2010/main" val="1745454688"/>
+        <p14:creationId xmlns:p14="http://schemas.microsoft.com/office/powerpoint/2010/main" xmlns="" val="1745454688"/>
       </p:ext>
     </p:extLst>
   </p:cSld>
@@ -1236,7 +1246,8 @@
           <a:p>
             <a:fld id="{1F298F99-C20F-49AD-A858-A3286561F1CB}" type="datetimeFigureOut">
               <a:rPr lang="ru-RU" smtClean="0"/>
-              <a:t>16.11.2021</a:t>
+              <a:pPr/>
+              <a:t>19.11.2021</a:t>
             </a:fld>
             <a:endParaRPr lang="ru-RU"/>
           </a:p>
@@ -1278,6 +1289,7 @@
           <a:p>
             <a:fld id="{FD3C2CBD-94CB-45E6-BECD-D7CD118D38CE}" type="slidenum">
               <a:rPr lang="ru-RU" smtClean="0"/>
+              <a:pPr/>
               <a:t>‹#›</a:t>
             </a:fld>
             <a:endParaRPr lang="ru-RU"/>
@@ -1287,7 +1299,7 @@
     </p:spTree>
     <p:extLst>
       <p:ext uri="{BB962C8B-B14F-4D97-AF65-F5344CB8AC3E}">
-        <p14:creationId xmlns:p14="http://schemas.microsoft.com/office/powerpoint/2010/main" val="1354417601"/>
+        <p14:creationId xmlns:p14="http://schemas.microsoft.com/office/powerpoint/2010/main" xmlns="" val="1354417601"/>
       </p:ext>
     </p:extLst>
   </p:cSld>
@@ -1603,7 +1615,8 @@
           <a:p>
             <a:fld id="{1F298F99-C20F-49AD-A858-A3286561F1CB}" type="datetimeFigureOut">
               <a:rPr lang="ru-RU" smtClean="0"/>
-              <a:t>16.11.2021</a:t>
+              <a:pPr/>
+              <a:t>19.11.2021</a:t>
             </a:fld>
             <a:endParaRPr lang="ru-RU"/>
           </a:p>
@@ -1645,6 +1658,7 @@
           <a:p>
             <a:fld id="{FD3C2CBD-94CB-45E6-BECD-D7CD118D38CE}" type="slidenum">
               <a:rPr lang="ru-RU" smtClean="0"/>
+              <a:pPr/>
               <a:t>‹#›</a:t>
             </a:fld>
             <a:endParaRPr lang="ru-RU"/>
@@ -1654,7 +1668,7 @@
     </p:spTree>
     <p:extLst>
       <p:ext uri="{BB962C8B-B14F-4D97-AF65-F5344CB8AC3E}">
-        <p14:creationId xmlns:p14="http://schemas.microsoft.com/office/powerpoint/2010/main" val="1728030987"/>
+        <p14:creationId xmlns:p14="http://schemas.microsoft.com/office/powerpoint/2010/main" xmlns="" val="1728030987"/>
       </p:ext>
     </p:extLst>
   </p:cSld>
@@ -1721,7 +1735,8 @@
           <a:p>
             <a:fld id="{1F298F99-C20F-49AD-A858-A3286561F1CB}" type="datetimeFigureOut">
               <a:rPr lang="ru-RU" smtClean="0"/>
-              <a:t>16.11.2021</a:t>
+              <a:pPr/>
+              <a:t>19.11.2021</a:t>
             </a:fld>
             <a:endParaRPr lang="ru-RU"/>
           </a:p>
@@ -1763,6 +1778,7 @@
           <a:p>
             <a:fld id="{FD3C2CBD-94CB-45E6-BECD-D7CD118D38CE}" type="slidenum">
               <a:rPr lang="ru-RU" smtClean="0"/>
+              <a:pPr/>
               <a:t>‹#›</a:t>
             </a:fld>
             <a:endParaRPr lang="ru-RU"/>
@@ -1772,7 +1788,7 @@
     </p:spTree>
     <p:extLst>
       <p:ext uri="{BB962C8B-B14F-4D97-AF65-F5344CB8AC3E}">
-        <p14:creationId xmlns:p14="http://schemas.microsoft.com/office/powerpoint/2010/main" val="3336397726"/>
+        <p14:creationId xmlns:p14="http://schemas.microsoft.com/office/powerpoint/2010/main" xmlns="" val="3336397726"/>
       </p:ext>
     </p:extLst>
   </p:cSld>
@@ -1816,7 +1832,8 @@
           <a:p>
             <a:fld id="{1F298F99-C20F-49AD-A858-A3286561F1CB}" type="datetimeFigureOut">
               <a:rPr lang="ru-RU" smtClean="0"/>
-              <a:t>16.11.2021</a:t>
+              <a:pPr/>
+              <a:t>19.11.2021</a:t>
             </a:fld>
             <a:endParaRPr lang="ru-RU"/>
           </a:p>
@@ -1858,6 +1875,7 @@
           <a:p>
             <a:fld id="{FD3C2CBD-94CB-45E6-BECD-D7CD118D38CE}" type="slidenum">
               <a:rPr lang="ru-RU" smtClean="0"/>
+              <a:pPr/>
               <a:t>‹#›</a:t>
             </a:fld>
             <a:endParaRPr lang="ru-RU"/>
@@ -1867,7 +1885,7 @@
     </p:spTree>
     <p:extLst>
       <p:ext uri="{BB962C8B-B14F-4D97-AF65-F5344CB8AC3E}">
-        <p14:creationId xmlns:p14="http://schemas.microsoft.com/office/powerpoint/2010/main" val="954879732"/>
+        <p14:creationId xmlns:p14="http://schemas.microsoft.com/office/powerpoint/2010/main" xmlns="" val="954879732"/>
       </p:ext>
     </p:extLst>
   </p:cSld>
@@ -2093,7 +2111,8 @@
           <a:p>
             <a:fld id="{1F298F99-C20F-49AD-A858-A3286561F1CB}" type="datetimeFigureOut">
               <a:rPr lang="ru-RU" smtClean="0"/>
-              <a:t>16.11.2021</a:t>
+              <a:pPr/>
+              <a:t>19.11.2021</a:t>
             </a:fld>
             <a:endParaRPr lang="ru-RU"/>
           </a:p>
@@ -2135,6 +2154,7 @@
           <a:p>
             <a:fld id="{FD3C2CBD-94CB-45E6-BECD-D7CD118D38CE}" type="slidenum">
               <a:rPr lang="ru-RU" smtClean="0"/>
+              <a:pPr/>
               <a:t>‹#›</a:t>
             </a:fld>
             <a:endParaRPr lang="ru-RU"/>
@@ -2144,7 +2164,7 @@
     </p:spTree>
     <p:extLst>
       <p:ext uri="{BB962C8B-B14F-4D97-AF65-F5344CB8AC3E}">
-        <p14:creationId xmlns:p14="http://schemas.microsoft.com/office/powerpoint/2010/main" val="1323399064"/>
+        <p14:creationId xmlns:p14="http://schemas.microsoft.com/office/powerpoint/2010/main" xmlns="" val="1323399064"/>
       </p:ext>
     </p:extLst>
   </p:cSld>
@@ -2346,7 +2366,8 @@
           <a:p>
             <a:fld id="{1F298F99-C20F-49AD-A858-A3286561F1CB}" type="datetimeFigureOut">
               <a:rPr lang="ru-RU" smtClean="0"/>
-              <a:t>16.11.2021</a:t>
+              <a:pPr/>
+              <a:t>19.11.2021</a:t>
             </a:fld>
             <a:endParaRPr lang="ru-RU"/>
           </a:p>
@@ -2388,6 +2409,7 @@
           <a:p>
             <a:fld id="{FD3C2CBD-94CB-45E6-BECD-D7CD118D38CE}" type="slidenum">
               <a:rPr lang="ru-RU" smtClean="0"/>
+              <a:pPr/>
               <a:t>‹#›</a:t>
             </a:fld>
             <a:endParaRPr lang="ru-RU"/>
@@ -2397,7 +2419,7 @@
     </p:spTree>
     <p:extLst>
       <p:ext uri="{BB962C8B-B14F-4D97-AF65-F5344CB8AC3E}">
-        <p14:creationId xmlns:p14="http://schemas.microsoft.com/office/powerpoint/2010/main" val="126981311"/>
+        <p14:creationId xmlns:p14="http://schemas.microsoft.com/office/powerpoint/2010/main" xmlns="" val="126981311"/>
       </p:ext>
     </p:extLst>
   </p:cSld>
@@ -2559,7 +2581,8 @@
           <a:p>
             <a:fld id="{1F298F99-C20F-49AD-A858-A3286561F1CB}" type="datetimeFigureOut">
               <a:rPr lang="ru-RU" smtClean="0"/>
-              <a:t>16.11.2021</a:t>
+              <a:pPr/>
+              <a:t>19.11.2021</a:t>
             </a:fld>
             <a:endParaRPr lang="ru-RU"/>
           </a:p>
@@ -2637,6 +2660,7 @@
           <a:p>
             <a:fld id="{FD3C2CBD-94CB-45E6-BECD-D7CD118D38CE}" type="slidenum">
               <a:rPr lang="ru-RU" smtClean="0"/>
+              <a:pPr/>
               <a:t>‹#›</a:t>
             </a:fld>
             <a:endParaRPr lang="ru-RU"/>
@@ -2646,7 +2670,7 @@
     </p:spTree>
     <p:extLst>
       <p:ext uri="{BB962C8B-B14F-4D97-AF65-F5344CB8AC3E}">
-        <p14:creationId xmlns:p14="http://schemas.microsoft.com/office/powerpoint/2010/main" val="3318774727"/>
+        <p14:creationId xmlns:p14="http://schemas.microsoft.com/office/powerpoint/2010/main" xmlns="" val="3318774727"/>
       </p:ext>
     </p:extLst>
   </p:cSld>
@@ -2972,8 +2996,8 @@
         </p:nvSpPr>
         <p:spPr>
           <a:xfrm>
-            <a:off x="681642" y="274319"/>
-            <a:ext cx="4763194" cy="1155469"/>
+            <a:off x="655608" y="146649"/>
+            <a:ext cx="4771975" cy="1362973"/>
           </a:xfrm>
           <a:prstGeom prst="rect">
             <a:avLst/>
@@ -3083,7 +3107,34 @@
                   <a:schemeClr val="tx1"/>
                 </a:solidFill>
               </a:rPr>
-              <a:t>Бомбы.</a:t>
+              <a:t>Бомбы</a:t>
+            </a:r>
+            <a:r>
+              <a:rPr lang="ru-RU" dirty="0" smtClean="0">
+                <a:solidFill>
+                  <a:schemeClr val="tx1"/>
+                </a:solidFill>
+              </a:rPr>
+              <a:t>.</a:t>
+            </a:r>
+            <a:endParaRPr lang="en-US" dirty="0" smtClean="0">
+              <a:solidFill>
+                <a:schemeClr val="tx1"/>
+              </a:solidFill>
+            </a:endParaRPr>
+          </a:p>
+          <a:p>
+            <a:pPr marL="285750" indent="-285750">
+              <a:buFont typeface="Arial" panose="020B0604020202020204" pitchFamily="34" charset="0"/>
+              <a:buChar char="•"/>
+            </a:pPr>
+            <a:r>
+              <a:rPr lang="ru-RU" dirty="0" smtClean="0">
+                <a:solidFill>
+                  <a:schemeClr val="tx1"/>
+                </a:solidFill>
+              </a:rPr>
+              <a:t>Манекен</a:t>
             </a:r>
             <a:endParaRPr lang="en-US" dirty="0" smtClean="0">
               <a:solidFill>
@@ -3112,8 +3163,8 @@
         </p:nvSpPr>
         <p:spPr>
           <a:xfrm>
-            <a:off x="681642" y="1712422"/>
-            <a:ext cx="4763193" cy="872836"/>
+            <a:off x="655608" y="1712422"/>
+            <a:ext cx="4789227" cy="2238476"/>
           </a:xfrm>
           <a:prstGeom prst="rect">
             <a:avLst/>
@@ -3187,6 +3238,93 @@
               </a:rPr>
               <a:t>.</a:t>
             </a:r>
+            <a:r>
+              <a:rPr lang="en-US" dirty="0" smtClean="0">
+                <a:solidFill>
+                  <a:schemeClr val="tx1"/>
+                </a:solidFill>
+              </a:rPr>
+              <a:t> </a:t>
+            </a:r>
+          </a:p>
+          <a:p>
+            <a:pPr>
+              <a:buFont typeface="Arial" pitchFamily="34" charset="0"/>
+              <a:buChar char="•"/>
+            </a:pPr>
+            <a:r>
+              <a:rPr lang="ru-RU" dirty="0" smtClean="0">
+                <a:solidFill>
+                  <a:schemeClr val="tx1"/>
+                </a:solidFill>
+              </a:rPr>
+              <a:t>Камень (рушится бомбой)</a:t>
+            </a:r>
+            <a:r>
+              <a:rPr lang="en-US" dirty="0" smtClean="0">
+                <a:solidFill>
+                  <a:schemeClr val="tx1"/>
+                </a:solidFill>
+              </a:rPr>
+              <a:t>;</a:t>
+            </a:r>
+          </a:p>
+          <a:p>
+            <a:pPr>
+              <a:buFont typeface="Arial" pitchFamily="34" charset="0"/>
+              <a:buChar char="•"/>
+            </a:pPr>
+            <a:r>
+              <a:rPr lang="ru-RU" dirty="0" smtClean="0">
+                <a:solidFill>
+                  <a:schemeClr val="tx1"/>
+                </a:solidFill>
+              </a:rPr>
+              <a:t>Сундук (открывается ключом)</a:t>
+            </a:r>
+            <a:r>
+              <a:rPr lang="en-US" dirty="0" smtClean="0">
+                <a:solidFill>
+                  <a:schemeClr val="tx1"/>
+                </a:solidFill>
+              </a:rPr>
+              <a:t>;</a:t>
+            </a:r>
+            <a:endParaRPr lang="ru-RU" dirty="0" smtClean="0">
+              <a:solidFill>
+                <a:schemeClr val="tx1"/>
+              </a:solidFill>
+            </a:endParaRPr>
+          </a:p>
+          <a:p>
+            <a:pPr>
+              <a:buFont typeface="Arial" pitchFamily="34" charset="0"/>
+              <a:buChar char="•"/>
+            </a:pPr>
+            <a:r>
+              <a:rPr lang="ru-RU" dirty="0" smtClean="0">
+                <a:solidFill>
+                  <a:schemeClr val="tx1"/>
+                </a:solidFill>
+              </a:rPr>
+              <a:t>Костер (можно потушить и получить какие-то предметы).</a:t>
+            </a:r>
+            <a:endParaRPr lang="ru-RU" dirty="0" smtClean="0">
+              <a:solidFill>
+                <a:schemeClr val="tx1"/>
+              </a:solidFill>
+            </a:endParaRPr>
+          </a:p>
+          <a:p>
+            <a:pPr>
+              <a:buFont typeface="Arial" pitchFamily="34" charset="0"/>
+              <a:buChar char="•"/>
+            </a:pPr>
+            <a:endParaRPr lang="ru-RU" dirty="0" smtClean="0">
+              <a:solidFill>
+                <a:schemeClr val="tx1"/>
+              </a:solidFill>
+            </a:endParaRPr>
           </a:p>
         </p:txBody>
       </p:sp>
@@ -3198,7 +3336,7 @@
         </p:nvSpPr>
         <p:spPr>
           <a:xfrm>
-            <a:off x="681642" y="2867891"/>
+            <a:off x="629884" y="4230864"/>
             <a:ext cx="4763192" cy="906086"/>
           </a:xfrm>
           <a:prstGeom prst="rect">
@@ -3273,6 +3411,32 @@
               </a:rPr>
               <a:t>.</a:t>
             </a:r>
+          </a:p>
+          <a:p>
+            <a:r>
+              <a:rPr lang="ru-RU" dirty="0" smtClean="0">
+                <a:solidFill>
+                  <a:schemeClr val="tx1"/>
+                </a:solidFill>
+              </a:rPr>
+              <a:t>Босс</a:t>
+            </a:r>
+            <a:r>
+              <a:rPr lang="en-US" dirty="0" smtClean="0">
+                <a:solidFill>
+                  <a:schemeClr val="tx1"/>
+                </a:solidFill>
+              </a:rPr>
+              <a:t>: </a:t>
+            </a:r>
+            <a:r>
+              <a:rPr lang="ru-RU" dirty="0" smtClean="0">
+                <a:solidFill>
+                  <a:schemeClr val="tx1"/>
+                </a:solidFill>
+              </a:rPr>
+              <a:t>Плесень, плюётся ядом. Может прыгнуть на игрока.</a:t>
+            </a:r>
             <a:endParaRPr lang="ru-RU" dirty="0">
               <a:solidFill>
                 <a:schemeClr val="tx1"/>
@@ -3289,7 +3453,7 @@
         </p:nvSpPr>
         <p:spPr>
           <a:xfrm>
-            <a:off x="681641" y="4056611"/>
+            <a:off x="690267" y="5583486"/>
             <a:ext cx="4763193" cy="590203"/>
           </a:xfrm>
           <a:prstGeom prst="rect">
@@ -3367,9 +3531,9 @@
           <p:nvPr/>
         </p:nvCxnSpPr>
         <p:spPr>
-          <a:xfrm>
-            <a:off x="3063239" y="1429788"/>
-            <a:ext cx="0" cy="282634"/>
+          <a:xfrm rot="16200000" flipH="1">
+            <a:off x="2944509" y="1606709"/>
+            <a:ext cx="202800" cy="8626"/>
           </a:xfrm>
           <a:prstGeom prst="straightConnector1">
             <a:avLst/>
@@ -3403,9 +3567,9 @@
           <p:nvPr/>
         </p:nvCxnSpPr>
         <p:spPr>
-          <a:xfrm flipH="1">
-            <a:off x="3063238" y="2585258"/>
-            <a:ext cx="1" cy="282633"/>
+          <a:xfrm rot="5400000">
+            <a:off x="2890868" y="4071510"/>
+            <a:ext cx="279966" cy="38742"/>
           </a:xfrm>
           <a:prstGeom prst="straightConnector1">
             <a:avLst/>
@@ -3439,9 +3603,9 @@
           <p:nvPr/>
         </p:nvCxnSpPr>
         <p:spPr>
-          <a:xfrm>
-            <a:off x="3063238" y="3773977"/>
-            <a:ext cx="0" cy="282634"/>
+          <a:xfrm rot="16200000" flipH="1">
+            <a:off x="2818404" y="5330026"/>
+            <a:ext cx="446536" cy="60384"/>
           </a:xfrm>
           <a:prstGeom prst="straightConnector1">
             <a:avLst/>
@@ -3473,7 +3637,7 @@
         </p:nvSpPr>
         <p:spPr>
           <a:xfrm>
-            <a:off x="5669280" y="274319"/>
+            <a:off x="5643401" y="524485"/>
             <a:ext cx="2468880" cy="369332"/>
           </a:xfrm>
           <a:prstGeom prst="rect">
@@ -3507,7 +3671,7 @@
         </p:nvSpPr>
         <p:spPr>
           <a:xfrm>
-            <a:off x="5669280" y="1712422"/>
+            <a:off x="5721038" y="2488799"/>
             <a:ext cx="2468880" cy="369332"/>
           </a:xfrm>
           <a:prstGeom prst="rect">
@@ -3553,7 +3717,7 @@
         </p:nvSpPr>
         <p:spPr>
           <a:xfrm>
-            <a:off x="5669280" y="2867891"/>
+            <a:off x="5686533" y="4403393"/>
             <a:ext cx="2468880" cy="369332"/>
           </a:xfrm>
           <a:prstGeom prst="rect">
@@ -3599,7 +3763,7 @@
         </p:nvSpPr>
         <p:spPr>
           <a:xfrm>
-            <a:off x="5669280" y="4056611"/>
+            <a:off x="5738291" y="5609366"/>
             <a:ext cx="2468880" cy="369332"/>
           </a:xfrm>
           <a:prstGeom prst="rect">
@@ -3632,7 +3796,7 @@
     </p:spTree>
     <p:extLst>
       <p:ext uri="{BB962C8B-B14F-4D97-AF65-F5344CB8AC3E}">
-        <p14:creationId xmlns:p14="http://schemas.microsoft.com/office/powerpoint/2010/main" val="445002978"/>
+        <p14:creationId xmlns:p14="http://schemas.microsoft.com/office/powerpoint/2010/main" xmlns="" val="445002978"/>
       </p:ext>
     </p:extLst>
   </p:cSld>
@@ -3685,7 +3849,7 @@
     </a:clrScheme>
     <a:fontScheme name="Стандартная">
       <a:majorFont>
-        <a:latin typeface="Calibri Light" panose="020F0302020204030204"/>
+        <a:latin typeface="Calibri Light"/>
         <a:ea typeface=""/>
         <a:cs typeface=""/>
         <a:font script="Jpan" typeface="游ゴシック Light"/>
@@ -3720,7 +3884,7 @@
         <a:font script="Geor" typeface="Sylfaen"/>
       </a:majorFont>
       <a:minorFont>
-        <a:latin typeface="Calibri" panose="020F0502020204030204"/>
+        <a:latin typeface="Calibri"/>
         <a:ea typeface=""/>
         <a:cs typeface=""/>
         <a:font script="Jpan" typeface="游ゴシック"/>
@@ -3897,7 +4061,7 @@
   <a:extraClrSchemeLst/>
   <a:extLst>
     <a:ext uri="{05A4C25C-085E-4340-85A3-A5531E510DB2}">
-      <thm15:themeFamily xmlns:thm15="http://schemas.microsoft.com/office/thememl/2012/main" name="Office Theme" id="{62F939B6-93AF-4DB8-9C6B-D6C7DFDC589F}" vid="{4A3C46E8-61CC-4603-A589-7422A47A8E4A}"/>
+      <thm15:themeFamily xmlns:thm15="http://schemas.microsoft.com/office/thememl/2012/main" xmlns="" name="Office Theme" id="{62F939B6-93AF-4DB8-9C6B-D6C7DFDC589F}" vid="{4A3C46E8-61CC-4603-A589-7422A47A8E4A}"/>
     </a:ext>
   </a:extLst>
 </a:theme>
